--- a/art/feature-graphics.pptx
+++ b/art/feature-graphics.pptx
@@ -6,6 +6,7 @@
   </p:sldMasterIdLst>
   <p:sldIdLst>
     <p:sldId id="256" r:id="rId2"/>
+    <p:sldId id="257" r:id="rId3"/>
   </p:sldIdLst>
   <p:sldSz cx="12192000" cy="6858000"/>
   <p:notesSz cx="6858000" cy="9144000"/>
@@ -259,7 +260,7 @@
           <a:p>
             <a:fld id="{A51F3B80-0786-4783-9F69-78B0F9BF9C61}" type="datetimeFigureOut">
               <a:rPr lang="en-US" smtClean="0"/>
-              <a:t>9/5/2020</a:t>
+              <a:t>9/6/2020</a:t>
             </a:fld>
             <a:endParaRPr lang="en-US"/>
           </a:p>
@@ -457,7 +458,7 @@
           <a:p>
             <a:fld id="{A51F3B80-0786-4783-9F69-78B0F9BF9C61}" type="datetimeFigureOut">
               <a:rPr lang="en-US" smtClean="0"/>
-              <a:t>9/5/2020</a:t>
+              <a:t>9/6/2020</a:t>
             </a:fld>
             <a:endParaRPr lang="en-US"/>
           </a:p>
@@ -665,7 +666,7 @@
           <a:p>
             <a:fld id="{A51F3B80-0786-4783-9F69-78B0F9BF9C61}" type="datetimeFigureOut">
               <a:rPr lang="en-US" smtClean="0"/>
-              <a:t>9/5/2020</a:t>
+              <a:t>9/6/2020</a:t>
             </a:fld>
             <a:endParaRPr lang="en-US"/>
           </a:p>
@@ -863,7 +864,7 @@
           <a:p>
             <a:fld id="{A51F3B80-0786-4783-9F69-78B0F9BF9C61}" type="datetimeFigureOut">
               <a:rPr lang="en-US" smtClean="0"/>
-              <a:t>9/5/2020</a:t>
+              <a:t>9/6/2020</a:t>
             </a:fld>
             <a:endParaRPr lang="en-US"/>
           </a:p>
@@ -1138,7 +1139,7 @@
           <a:p>
             <a:fld id="{A51F3B80-0786-4783-9F69-78B0F9BF9C61}" type="datetimeFigureOut">
               <a:rPr lang="en-US" smtClean="0"/>
-              <a:t>9/5/2020</a:t>
+              <a:t>9/6/2020</a:t>
             </a:fld>
             <a:endParaRPr lang="en-US"/>
           </a:p>
@@ -1403,7 +1404,7 @@
           <a:p>
             <a:fld id="{A51F3B80-0786-4783-9F69-78B0F9BF9C61}" type="datetimeFigureOut">
               <a:rPr lang="en-US" smtClean="0"/>
-              <a:t>9/5/2020</a:t>
+              <a:t>9/6/2020</a:t>
             </a:fld>
             <a:endParaRPr lang="en-US"/>
           </a:p>
@@ -1815,7 +1816,7 @@
           <a:p>
             <a:fld id="{A51F3B80-0786-4783-9F69-78B0F9BF9C61}" type="datetimeFigureOut">
               <a:rPr lang="en-US" smtClean="0"/>
-              <a:t>9/5/2020</a:t>
+              <a:t>9/6/2020</a:t>
             </a:fld>
             <a:endParaRPr lang="en-US"/>
           </a:p>
@@ -1956,7 +1957,7 @@
           <a:p>
             <a:fld id="{A51F3B80-0786-4783-9F69-78B0F9BF9C61}" type="datetimeFigureOut">
               <a:rPr lang="en-US" smtClean="0"/>
-              <a:t>9/5/2020</a:t>
+              <a:t>9/6/2020</a:t>
             </a:fld>
             <a:endParaRPr lang="en-US"/>
           </a:p>
@@ -2069,7 +2070,7 @@
           <a:p>
             <a:fld id="{A51F3B80-0786-4783-9F69-78B0F9BF9C61}" type="datetimeFigureOut">
               <a:rPr lang="en-US" smtClean="0"/>
-              <a:t>9/5/2020</a:t>
+              <a:t>9/6/2020</a:t>
             </a:fld>
             <a:endParaRPr lang="en-US"/>
           </a:p>
@@ -2380,7 +2381,7 @@
           <a:p>
             <a:fld id="{A51F3B80-0786-4783-9F69-78B0F9BF9C61}" type="datetimeFigureOut">
               <a:rPr lang="en-US" smtClean="0"/>
-              <a:t>9/5/2020</a:t>
+              <a:t>9/6/2020</a:t>
             </a:fld>
             <a:endParaRPr lang="en-US"/>
           </a:p>
@@ -2668,7 +2669,7 @@
           <a:p>
             <a:fld id="{A51F3B80-0786-4783-9F69-78B0F9BF9C61}" type="datetimeFigureOut">
               <a:rPr lang="en-US" smtClean="0"/>
-              <a:t>9/5/2020</a:t>
+              <a:t>9/6/2020</a:t>
             </a:fld>
             <a:endParaRPr lang="en-US"/>
           </a:p>
@@ -2909,7 +2910,7 @@
           <a:p>
             <a:fld id="{A51F3B80-0786-4783-9F69-78B0F9BF9C61}" type="datetimeFigureOut">
               <a:rPr lang="en-US" smtClean="0"/>
-              <a:t>9/5/2020</a:t>
+              <a:t>9/6/2020</a:t>
             </a:fld>
             <a:endParaRPr lang="en-US"/>
           </a:p>
@@ -3577,6 +3578,237 @@
 </p:sld>
 </file>
 
+<file path=ppt/slides/slide2.xml><?xml version="1.0" encoding="utf-8"?>
+<p:sld xmlns:a="http://schemas.openxmlformats.org/drawingml/2006/main" xmlns:r="http://schemas.openxmlformats.org/officeDocument/2006/relationships" xmlns:p="http://schemas.openxmlformats.org/presentationml/2006/main">
+  <p:cSld>
+    <p:spTree>
+      <p:nvGrpSpPr>
+        <p:cNvPr id="1" name=""/>
+        <p:cNvGrpSpPr/>
+        <p:nvPr/>
+      </p:nvGrpSpPr>
+      <p:grpSpPr>
+        <a:xfrm>
+          <a:off x="0" y="0"/>
+          <a:ext cx="0" cy="0"/>
+          <a:chOff x="0" y="0"/>
+          <a:chExt cx="0" cy="0"/>
+        </a:xfrm>
+      </p:grpSpPr>
+      <p:sp>
+        <p:nvSpPr>
+          <p:cNvPr id="4" name="Rectangle 3">
+            <a:extLst>
+              <a:ext uri="{FF2B5EF4-FFF2-40B4-BE49-F238E27FC236}">
+                <a16:creationId xmlns:a16="http://schemas.microsoft.com/office/drawing/2014/main" id="{E6D63589-E260-408D-BAF9-22A224CB4515}"/>
+              </a:ext>
+            </a:extLst>
+          </p:cNvPr>
+          <p:cNvSpPr>
+            <a:spLocks noChangeAspect="1"/>
+          </p:cNvSpPr>
+          <p:nvPr/>
+        </p:nvSpPr>
+        <p:spPr>
+          <a:xfrm>
+            <a:off x="338190" y="617568"/>
+            <a:ext cx="11515620" cy="5622864"/>
+          </a:xfrm>
+          <a:prstGeom prst="rect">
+            <a:avLst/>
+          </a:prstGeom>
+          <a:solidFill>
+            <a:srgbClr val="03A9F4"/>
+          </a:solidFill>
+        </p:spPr>
+        <p:style>
+          <a:lnRef idx="2">
+            <a:schemeClr val="accent1">
+              <a:shade val="50000"/>
+            </a:schemeClr>
+          </a:lnRef>
+          <a:fillRef idx="1">
+            <a:schemeClr val="accent1"/>
+          </a:fillRef>
+          <a:effectRef idx="0">
+            <a:schemeClr val="accent1"/>
+          </a:effectRef>
+          <a:fontRef idx="minor">
+            <a:schemeClr val="lt1"/>
+          </a:fontRef>
+        </p:style>
+        <p:txBody>
+          <a:bodyPr rtlCol="0" anchor="ctr"/>
+          <a:lstStyle/>
+          <a:p>
+            <a:pPr algn="ctr"/>
+            <a:endParaRPr lang="en-US">
+              <a:ln w="3175">
+                <a:solidFill>
+                  <a:schemeClr val="bg1"/>
+                </a:solidFill>
+              </a:ln>
+            </a:endParaRPr>
+          </a:p>
+        </p:txBody>
+      </p:sp>
+      <p:pic>
+        <p:nvPicPr>
+          <p:cNvPr id="5" name="Picture 4" descr="A picture containing drawing&#10;&#10;Description automatically generated">
+            <a:extLst>
+              <a:ext uri="{FF2B5EF4-FFF2-40B4-BE49-F238E27FC236}">
+                <a16:creationId xmlns:a16="http://schemas.microsoft.com/office/drawing/2014/main" id="{975FDB66-BF15-4577-92DD-B24EAE75EE15}"/>
+              </a:ext>
+            </a:extLst>
+          </p:cNvPr>
+          <p:cNvPicPr>
+            <a:picLocks noChangeAspect="1"/>
+          </p:cNvPicPr>
+          <p:nvPr/>
+        </p:nvPicPr>
+        <p:blipFill>
+          <a:blip r:embed="rId2">
+            <a:extLst>
+              <a:ext uri="{28A0092B-C50C-407E-A947-70E740481C1C}">
+                <a14:useLocalDpi xmlns:a14="http://schemas.microsoft.com/office/drawing/2010/main" val="0"/>
+              </a:ext>
+            </a:extLst>
+          </a:blip>
+          <a:stretch>
+            <a:fillRect/>
+          </a:stretch>
+        </p:blipFill>
+        <p:spPr>
+          <a:xfrm>
+            <a:off x="616944" y="848845"/>
+            <a:ext cx="2867735" cy="5160310"/>
+          </a:xfrm>
+          <a:prstGeom prst="rect">
+            <a:avLst/>
+          </a:prstGeom>
+        </p:spPr>
+      </p:pic>
+      <p:pic>
+        <p:nvPicPr>
+          <p:cNvPr id="10" name="Picture 9" descr="A picture containing clock, drawing&#10;&#10;Description automatically generated">
+            <a:extLst>
+              <a:ext uri="{FF2B5EF4-FFF2-40B4-BE49-F238E27FC236}">
+                <a16:creationId xmlns:a16="http://schemas.microsoft.com/office/drawing/2014/main" id="{0E931011-D494-4442-9B67-8A74ABD6C298}"/>
+              </a:ext>
+            </a:extLst>
+          </p:cNvPr>
+          <p:cNvPicPr>
+            <a:picLocks noChangeAspect="1"/>
+          </p:cNvPicPr>
+          <p:nvPr/>
+        </p:nvPicPr>
+        <p:blipFill>
+          <a:blip r:embed="rId3">
+            <a:extLst>
+              <a:ext uri="{28A0092B-C50C-407E-A947-70E740481C1C}">
+                <a14:useLocalDpi xmlns:a14="http://schemas.microsoft.com/office/drawing/2010/main" val="0"/>
+              </a:ext>
+            </a:extLst>
+          </a:blip>
+          <a:stretch>
+            <a:fillRect/>
+          </a:stretch>
+        </p:blipFill>
+        <p:spPr>
+          <a:xfrm>
+            <a:off x="3228265" y="848845"/>
+            <a:ext cx="2867735" cy="5160311"/>
+          </a:xfrm>
+          <a:prstGeom prst="rect">
+            <a:avLst/>
+          </a:prstGeom>
+        </p:spPr>
+      </p:pic>
+      <p:pic>
+        <p:nvPicPr>
+          <p:cNvPr id="12" name="Picture 11" descr="A picture containing drawing&#10;&#10;Description automatically generated">
+            <a:extLst>
+              <a:ext uri="{FF2B5EF4-FFF2-40B4-BE49-F238E27FC236}">
+                <a16:creationId xmlns:a16="http://schemas.microsoft.com/office/drawing/2014/main" id="{7092439F-E3E6-4926-B9FC-43624CA4BD1E}"/>
+              </a:ext>
+            </a:extLst>
+          </p:cNvPr>
+          <p:cNvPicPr>
+            <a:picLocks noChangeAspect="1"/>
+          </p:cNvPicPr>
+          <p:nvPr/>
+        </p:nvPicPr>
+        <p:blipFill>
+          <a:blip r:embed="rId4">
+            <a:extLst>
+              <a:ext uri="{28A0092B-C50C-407E-A947-70E740481C1C}">
+                <a14:useLocalDpi xmlns:a14="http://schemas.microsoft.com/office/drawing/2010/main" val="0"/>
+              </a:ext>
+            </a:extLst>
+          </a:blip>
+          <a:stretch>
+            <a:fillRect/>
+          </a:stretch>
+        </p:blipFill>
+        <p:spPr>
+          <a:xfrm>
+            <a:off x="5839585" y="848844"/>
+            <a:ext cx="2867736" cy="5160311"/>
+          </a:xfrm>
+          <a:prstGeom prst="rect">
+            <a:avLst/>
+          </a:prstGeom>
+        </p:spPr>
+      </p:pic>
+      <p:pic>
+        <p:nvPicPr>
+          <p:cNvPr id="14" name="Picture 13" descr="A picture containing meter, drawing, clock&#10;&#10;Description automatically generated">
+            <a:extLst>
+              <a:ext uri="{FF2B5EF4-FFF2-40B4-BE49-F238E27FC236}">
+                <a16:creationId xmlns:a16="http://schemas.microsoft.com/office/drawing/2014/main" id="{CD39BBB8-D573-4F4F-9262-591F42C8709F}"/>
+              </a:ext>
+            </a:extLst>
+          </p:cNvPr>
+          <p:cNvPicPr>
+            <a:picLocks noChangeAspect="1"/>
+          </p:cNvPicPr>
+          <p:nvPr/>
+        </p:nvPicPr>
+        <p:blipFill>
+          <a:blip r:embed="rId5">
+            <a:extLst>
+              <a:ext uri="{28A0092B-C50C-407E-A947-70E740481C1C}">
+                <a14:useLocalDpi xmlns:a14="http://schemas.microsoft.com/office/drawing/2010/main" val="0"/>
+              </a:ext>
+            </a:extLst>
+          </a:blip>
+          <a:stretch>
+            <a:fillRect/>
+          </a:stretch>
+        </p:blipFill>
+        <p:spPr>
+          <a:xfrm>
+            <a:off x="8590197" y="848843"/>
+            <a:ext cx="2867734" cy="5160309"/>
+          </a:xfrm>
+          <a:prstGeom prst="rect">
+            <a:avLst/>
+          </a:prstGeom>
+        </p:spPr>
+      </p:pic>
+    </p:spTree>
+    <p:extLst>
+      <p:ext uri="{BB962C8B-B14F-4D97-AF65-F5344CB8AC3E}">
+        <p14:creationId xmlns:p14="http://schemas.microsoft.com/office/powerpoint/2010/main" val="2894984753"/>
+      </p:ext>
+    </p:extLst>
+  </p:cSld>
+  <p:clrMapOvr>
+    <a:masterClrMapping/>
+  </p:clrMapOvr>
+</p:sld>
+</file>
+
 <file path=ppt/theme/theme1.xml><?xml version="1.0" encoding="utf-8"?>
 <a:theme xmlns:a="http://schemas.openxmlformats.org/drawingml/2006/main" name="Office Theme">
   <a:themeElements>
